--- a/figures/figures.pptx
+++ b/figures/figures.pptx
@@ -290,7 +290,7 @@
           <a:p>
             <a:fld id="{8301C8FA-FDA6-4212-8185-B552D36DC2F7}" type="datetimeFigureOut">
               <a:rPr lang="en-US" smtClean="0"/>
-              <a:t>3/26/2016</a:t>
+              <a:t>3/28/2016</a:t>
             </a:fld>
             <a:endParaRPr lang="en-US"/>
           </a:p>
@@ -460,7 +460,7 @@
           <a:p>
             <a:fld id="{8301C8FA-FDA6-4212-8185-B552D36DC2F7}" type="datetimeFigureOut">
               <a:rPr lang="en-US" smtClean="0"/>
-              <a:t>3/26/2016</a:t>
+              <a:t>3/28/2016</a:t>
             </a:fld>
             <a:endParaRPr lang="en-US"/>
           </a:p>
@@ -640,7 +640,7 @@
           <a:p>
             <a:fld id="{8301C8FA-FDA6-4212-8185-B552D36DC2F7}" type="datetimeFigureOut">
               <a:rPr lang="en-US" smtClean="0"/>
-              <a:t>3/26/2016</a:t>
+              <a:t>3/28/2016</a:t>
             </a:fld>
             <a:endParaRPr lang="en-US"/>
           </a:p>
@@ -810,7 +810,7 @@
           <a:p>
             <a:fld id="{8301C8FA-FDA6-4212-8185-B552D36DC2F7}" type="datetimeFigureOut">
               <a:rPr lang="en-US" smtClean="0"/>
-              <a:t>3/26/2016</a:t>
+              <a:t>3/28/2016</a:t>
             </a:fld>
             <a:endParaRPr lang="en-US"/>
           </a:p>
@@ -1056,7 +1056,7 @@
           <a:p>
             <a:fld id="{8301C8FA-FDA6-4212-8185-B552D36DC2F7}" type="datetimeFigureOut">
               <a:rPr lang="en-US" smtClean="0"/>
-              <a:t>3/26/2016</a:t>
+              <a:t>3/28/2016</a:t>
             </a:fld>
             <a:endParaRPr lang="en-US"/>
           </a:p>
@@ -1344,7 +1344,7 @@
           <a:p>
             <a:fld id="{8301C8FA-FDA6-4212-8185-B552D36DC2F7}" type="datetimeFigureOut">
               <a:rPr lang="en-US" smtClean="0"/>
-              <a:t>3/26/2016</a:t>
+              <a:t>3/28/2016</a:t>
             </a:fld>
             <a:endParaRPr lang="en-US"/>
           </a:p>
@@ -1766,7 +1766,7 @@
           <a:p>
             <a:fld id="{8301C8FA-FDA6-4212-8185-B552D36DC2F7}" type="datetimeFigureOut">
               <a:rPr lang="en-US" smtClean="0"/>
-              <a:t>3/26/2016</a:t>
+              <a:t>3/28/2016</a:t>
             </a:fld>
             <a:endParaRPr lang="en-US"/>
           </a:p>
@@ -1884,7 +1884,7 @@
           <a:p>
             <a:fld id="{8301C8FA-FDA6-4212-8185-B552D36DC2F7}" type="datetimeFigureOut">
               <a:rPr lang="en-US" smtClean="0"/>
-              <a:t>3/26/2016</a:t>
+              <a:t>3/28/2016</a:t>
             </a:fld>
             <a:endParaRPr lang="en-US"/>
           </a:p>
@@ -1979,7 +1979,7 @@
           <a:p>
             <a:fld id="{8301C8FA-FDA6-4212-8185-B552D36DC2F7}" type="datetimeFigureOut">
               <a:rPr lang="en-US" smtClean="0"/>
-              <a:t>3/26/2016</a:t>
+              <a:t>3/28/2016</a:t>
             </a:fld>
             <a:endParaRPr lang="en-US"/>
           </a:p>
@@ -2256,7 +2256,7 @@
           <a:p>
             <a:fld id="{8301C8FA-FDA6-4212-8185-B552D36DC2F7}" type="datetimeFigureOut">
               <a:rPr lang="en-US" smtClean="0"/>
-              <a:t>3/26/2016</a:t>
+              <a:t>3/28/2016</a:t>
             </a:fld>
             <a:endParaRPr lang="en-US"/>
           </a:p>
@@ -2509,7 +2509,7 @@
           <a:p>
             <a:fld id="{8301C8FA-FDA6-4212-8185-B552D36DC2F7}" type="datetimeFigureOut">
               <a:rPr lang="en-US" smtClean="0"/>
-              <a:t>3/26/2016</a:t>
+              <a:t>3/28/2016</a:t>
             </a:fld>
             <a:endParaRPr lang="en-US"/>
           </a:p>
@@ -2722,7 +2722,7 @@
           <a:p>
             <a:fld id="{8301C8FA-FDA6-4212-8185-B552D36DC2F7}" type="datetimeFigureOut">
               <a:rPr lang="en-US" smtClean="0"/>
-              <a:t>3/26/2016</a:t>
+              <a:t>3/28/2016</a:t>
             </a:fld>
             <a:endParaRPr lang="en-US"/>
           </a:p>
@@ -5859,18 +5859,71 @@
       </p:grpSpPr>
       <p:grpSp>
         <p:nvGrpSpPr>
-          <p:cNvPr id="154" name="Group 153"/>
+          <p:cNvPr id="158" name="Group 157"/>
           <p:cNvGrpSpPr/>
           <p:nvPr/>
         </p:nvGrpSpPr>
         <p:grpSpPr>
           <a:xfrm>
-            <a:off x="787021" y="2168573"/>
-            <a:ext cx="8052179" cy="2852989"/>
-            <a:chOff x="787021" y="2168573"/>
-            <a:chExt cx="8052179" cy="2852989"/>
+            <a:off x="787021" y="1752601"/>
+            <a:ext cx="8052179" cy="3268962"/>
+            <a:chOff x="787021" y="1752601"/>
+            <a:chExt cx="8052179" cy="3268962"/>
           </a:xfrm>
         </p:grpSpPr>
+        <p:sp>
+          <p:nvSpPr>
+            <p:cNvPr id="2" name="Rectangle 1"/>
+            <p:cNvSpPr/>
+            <p:nvPr/>
+          </p:nvSpPr>
+          <p:spPr>
+            <a:xfrm>
+              <a:off x="1612863" y="4566745"/>
+              <a:ext cx="564992" cy="245707"/>
+            </a:xfrm>
+            <a:prstGeom prst="rect">
+              <a:avLst/>
+            </a:prstGeom>
+            <a:solidFill>
+              <a:schemeClr val="bg1">
+                <a:lumMod val="85000"/>
+              </a:schemeClr>
+            </a:solidFill>
+            <a:ln>
+              <a:solidFill>
+                <a:schemeClr val="tx1">
+                  <a:lumMod val="50000"/>
+                  <a:lumOff val="50000"/>
+                </a:schemeClr>
+              </a:solidFill>
+            </a:ln>
+          </p:spPr>
+          <p:style>
+            <a:lnRef idx="2">
+              <a:schemeClr val="accent1">
+                <a:shade val="50000"/>
+              </a:schemeClr>
+            </a:lnRef>
+            <a:fillRef idx="1">
+              <a:schemeClr val="accent1"/>
+            </a:fillRef>
+            <a:effectRef idx="0">
+              <a:schemeClr val="accent1"/>
+            </a:effectRef>
+            <a:fontRef idx="minor">
+              <a:schemeClr val="lt1"/>
+            </a:fontRef>
+          </p:style>
+          <p:txBody>
+            <a:bodyPr rtlCol="0" anchor="ctr"/>
+            <a:lstStyle/>
+            <a:p>
+              <a:pPr algn="ctr"/>
+              <a:endParaRPr lang="en-US"/>
+            </a:p>
+          </p:txBody>
+        </p:sp>
         <p:grpSp>
           <p:nvGrpSpPr>
             <p:cNvPr id="150" name="Group 149"/>
@@ -5879,10 +5932,10 @@
           </p:nvGrpSpPr>
           <p:grpSpPr>
             <a:xfrm>
-              <a:off x="787021" y="2168573"/>
-              <a:ext cx="8052179" cy="2852989"/>
-              <a:chOff x="787021" y="2168573"/>
-              <a:chExt cx="8052179" cy="2852989"/>
+              <a:off x="787021" y="1752601"/>
+              <a:ext cx="8052179" cy="3268962"/>
+              <a:chOff x="787021" y="1752601"/>
+              <a:chExt cx="8052179" cy="3268962"/>
             </a:xfrm>
           </p:grpSpPr>
           <p:pic>
@@ -5941,149 +5994,81 @@
           </p:pic>
           <p:grpSp>
             <p:nvGrpSpPr>
-              <p:cNvPr id="8" name="Group 7"/>
+              <p:cNvPr id="6" name="Group 5"/>
               <p:cNvGrpSpPr/>
               <p:nvPr/>
             </p:nvGrpSpPr>
             <p:grpSpPr>
-              <a:xfrm rot="319256">
-                <a:off x="1570926" y="2391442"/>
-                <a:ext cx="701917" cy="2423001"/>
-                <a:chOff x="3549319" y="2417280"/>
-                <a:chExt cx="701917" cy="2423001"/>
+              <a:xfrm rot="21500557">
+                <a:off x="1609041" y="2335651"/>
+                <a:ext cx="361371" cy="2243983"/>
+                <a:chOff x="3526580" y="2374179"/>
+                <a:chExt cx="361371" cy="2243983"/>
               </a:xfrm>
             </p:grpSpPr>
-            <p:grpSp>
-              <p:nvGrpSpPr>
-                <p:cNvPr id="6" name="Group 5"/>
-                <p:cNvGrpSpPr/>
-                <p:nvPr/>
-              </p:nvGrpSpPr>
-              <p:grpSpPr>
-                <a:xfrm rot="21181301">
-                  <a:off x="3549319" y="2417280"/>
-                  <a:ext cx="361371" cy="2243983"/>
-                  <a:chOff x="3496343" y="2413708"/>
-                  <a:chExt cx="361371" cy="2243983"/>
-                </a:xfrm>
-              </p:grpSpPr>
-              <p:sp>
-                <p:nvSpPr>
-                  <p:cNvPr id="4" name="Oval 3"/>
-                  <p:cNvSpPr/>
-                  <p:nvPr/>
-                </p:nvSpPr>
-                <p:spPr>
-                  <a:xfrm rot="20919706">
-                    <a:off x="3505200" y="2413708"/>
-                    <a:ext cx="352514" cy="1177183"/>
-                  </a:xfrm>
-                  <a:prstGeom prst="ellipse">
-                    <a:avLst/>
-                  </a:prstGeom>
-                  <a:solidFill>
-                    <a:schemeClr val="bg1">
-                      <a:lumMod val="85000"/>
-                    </a:schemeClr>
-                  </a:solidFill>
-                  <a:ln>
-                    <a:solidFill>
-                      <a:schemeClr val="tx1">
-                        <a:lumMod val="50000"/>
-                        <a:lumOff val="50000"/>
-                      </a:schemeClr>
-                    </a:solidFill>
-                  </a:ln>
-                </p:spPr>
-                <p:style>
-                  <a:lnRef idx="2">
-                    <a:schemeClr val="accent1">
-                      <a:shade val="50000"/>
-                    </a:schemeClr>
-                  </a:lnRef>
-                  <a:fillRef idx="1">
-                    <a:schemeClr val="accent1"/>
-                  </a:fillRef>
-                  <a:effectRef idx="0">
-                    <a:schemeClr val="accent1"/>
-                  </a:effectRef>
-                  <a:fontRef idx="minor">
-                    <a:schemeClr val="lt1"/>
-                  </a:fontRef>
-                </p:style>
-                <p:txBody>
-                  <a:bodyPr rtlCol="0" anchor="ctr"/>
-                  <a:lstStyle/>
-                  <a:p>
-                    <a:pPr algn="ctr"/>
-                    <a:endParaRPr lang="en-US"/>
-                  </a:p>
-                </p:txBody>
-              </p:sp>
-              <p:sp>
-                <p:nvSpPr>
-                  <p:cNvPr id="5" name="Oval 4"/>
-                  <p:cNvSpPr/>
-                  <p:nvPr/>
-                </p:nvSpPr>
-                <p:spPr>
-                  <a:xfrm rot="983032">
-                    <a:off x="3496343" y="3590890"/>
-                    <a:ext cx="324028" cy="1066801"/>
-                  </a:xfrm>
-                  <a:prstGeom prst="ellipse">
-                    <a:avLst/>
-                  </a:prstGeom>
-                  <a:solidFill>
-                    <a:schemeClr val="bg1">
-                      <a:lumMod val="85000"/>
-                    </a:schemeClr>
-                  </a:solidFill>
-                  <a:ln>
-                    <a:solidFill>
-                      <a:schemeClr val="tx1">
-                        <a:lumMod val="50000"/>
-                        <a:lumOff val="50000"/>
-                      </a:schemeClr>
-                    </a:solidFill>
-                  </a:ln>
-                </p:spPr>
-                <p:style>
-                  <a:lnRef idx="2">
-                    <a:schemeClr val="accent1">
-                      <a:shade val="50000"/>
-                    </a:schemeClr>
-                  </a:lnRef>
-                  <a:fillRef idx="1">
-                    <a:schemeClr val="accent1"/>
-                  </a:fillRef>
-                  <a:effectRef idx="0">
-                    <a:schemeClr val="accent1"/>
-                  </a:effectRef>
-                  <a:fontRef idx="minor">
-                    <a:schemeClr val="lt1"/>
-                  </a:fontRef>
-                </p:style>
-                <p:txBody>
-                  <a:bodyPr rtlCol="0" anchor="ctr"/>
-                  <a:lstStyle/>
-                  <a:p>
-                    <a:pPr algn="ctr"/>
-                    <a:endParaRPr lang="en-US"/>
-                  </a:p>
-                </p:txBody>
-              </p:sp>
-            </p:grpSp>
             <p:sp>
               <p:nvSpPr>
-                <p:cNvPr id="7" name="Oval 6"/>
+                <p:cNvPr id="4" name="Oval 3"/>
                 <p:cNvSpPr/>
                 <p:nvPr/>
               </p:nvSpPr>
               <p:spPr>
-                <a:xfrm rot="5080744">
-                  <a:off x="3832239" y="4421283"/>
-                  <a:ext cx="268280" cy="569715"/>
+                <a:xfrm rot="20919706">
+                  <a:off x="3535437" y="2374179"/>
+                  <a:ext cx="352514" cy="1177183"/>
+                </a:xfrm>
+                <a:prstGeom prst="ellipse">
+                  <a:avLst/>
+                </a:prstGeom>
+                <a:solidFill>
+                  <a:schemeClr val="bg1">
+                    <a:lumMod val="85000"/>
+                  </a:schemeClr>
+                </a:solidFill>
+                <a:ln>
+                  <a:solidFill>
+                    <a:schemeClr val="tx1">
+                      <a:lumMod val="50000"/>
+                      <a:lumOff val="50000"/>
+                    </a:schemeClr>
+                  </a:solidFill>
+                </a:ln>
+              </p:spPr>
+              <p:style>
+                <a:lnRef idx="2">
+                  <a:schemeClr val="accent1">
+                    <a:shade val="50000"/>
+                  </a:schemeClr>
+                </a:lnRef>
+                <a:fillRef idx="1">
+                  <a:schemeClr val="accent1"/>
+                </a:fillRef>
+                <a:effectRef idx="0">
+                  <a:schemeClr val="accent1"/>
+                </a:effectRef>
+                <a:fontRef idx="minor">
+                  <a:schemeClr val="lt1"/>
+                </a:fontRef>
+              </p:style>
+              <p:txBody>
+                <a:bodyPr rtlCol="0" anchor="ctr"/>
+                <a:lstStyle/>
+                <a:p>
+                  <a:pPr algn="ctr"/>
+                  <a:endParaRPr lang="en-US"/>
+                </a:p>
+              </p:txBody>
+            </p:sp>
+            <p:sp>
+              <p:nvSpPr>
+                <p:cNvPr id="5" name="Oval 4"/>
+                <p:cNvSpPr/>
+                <p:nvPr/>
+              </p:nvSpPr>
+              <p:spPr>
+                <a:xfrm rot="983032">
+                  <a:off x="3526580" y="3551361"/>
+                  <a:ext cx="324028" cy="1066801"/>
                 </a:xfrm>
                 <a:prstGeom prst="ellipse">
                   <a:avLst/>
@@ -6601,9 +6586,7 @@
           <p:cxnSp>
             <p:nvCxnSpPr>
               <p:cNvPr id="32" name="Straight Arrow Connector 31"/>
-              <p:cNvCxnSpPr>
-                <a:stCxn id="7" idx="6"/>
-              </p:cNvCxnSpPr>
+              <p:cNvCxnSpPr/>
               <p:nvPr/>
             </p:nvCxnSpPr>
             <p:spPr>
@@ -6683,8 +6666,8 @@
             </p:nvCxnSpPr>
             <p:spPr>
               <a:xfrm flipV="1">
-                <a:off x="1995882" y="2168573"/>
-                <a:ext cx="2042718" cy="2527953"/>
+                <a:off x="1995882" y="1752601"/>
+                <a:ext cx="2042718" cy="2943926"/>
               </a:xfrm>
               <a:prstGeom prst="line">
                 <a:avLst/>
@@ -6721,8 +6704,8 @@
             </p:nvSpPr>
             <p:spPr>
               <a:xfrm>
-                <a:off x="4038600" y="2168573"/>
-                <a:ext cx="4800600" cy="2852989"/>
+                <a:off x="4038600" y="1752601"/>
+                <a:ext cx="4800600" cy="3268962"/>
               </a:xfrm>
               <a:prstGeom prst="rect">
                 <a:avLst/>
@@ -6833,7 +6816,7 @@
           </p:nvSpPr>
           <p:spPr>
             <a:xfrm>
-              <a:off x="6485540" y="2590800"/>
+              <a:off x="6389830" y="2419154"/>
               <a:ext cx="372680" cy="430887"/>
             </a:xfrm>
             <a:prstGeom prst="rect">
@@ -7033,7 +7016,7 @@
           </p:nvSpPr>
           <p:spPr>
             <a:xfrm>
-              <a:off x="6858220" y="2964724"/>
+              <a:off x="7062910" y="3023858"/>
               <a:ext cx="838200" cy="430887"/>
             </a:xfrm>
             <a:prstGeom prst="rect">
@@ -7134,7 +7117,7 @@
           </p:nvSpPr>
           <p:spPr>
             <a:xfrm>
-              <a:off x="6980140" y="2283282"/>
+              <a:off x="4267990" y="4534683"/>
               <a:ext cx="1681260" cy="430887"/>
             </a:xfrm>
             <a:prstGeom prst="rect">
@@ -7180,6 +7163,834 @@
             </a:p>
           </p:txBody>
         </p:sp>
+        <p:cxnSp>
+          <p:nvCxnSpPr>
+            <p:cNvPr id="9" name="Straight Connector 8"/>
+            <p:cNvCxnSpPr/>
+            <p:nvPr/>
+          </p:nvCxnSpPr>
+          <p:spPr>
+            <a:xfrm flipV="1">
+              <a:off x="5459600" y="2283282"/>
+              <a:ext cx="0" cy="1279386"/>
+            </a:xfrm>
+            <a:prstGeom prst="line">
+              <a:avLst/>
+            </a:prstGeom>
+            <a:ln w="15875">
+              <a:solidFill>
+                <a:schemeClr val="tx1"/>
+              </a:solidFill>
+              <a:prstDash val="dash"/>
+            </a:ln>
+          </p:spPr>
+          <p:style>
+            <a:lnRef idx="1">
+              <a:schemeClr val="accent1"/>
+            </a:lnRef>
+            <a:fillRef idx="0">
+              <a:schemeClr val="accent1"/>
+            </a:fillRef>
+            <a:effectRef idx="0">
+              <a:schemeClr val="accent1"/>
+            </a:effectRef>
+            <a:fontRef idx="minor">
+              <a:schemeClr val="tx1"/>
+            </a:fontRef>
+          </p:style>
+        </p:cxnSp>
+        <p:cxnSp>
+          <p:nvCxnSpPr>
+            <p:cNvPr id="45" name="Straight Connector 44"/>
+            <p:cNvCxnSpPr/>
+            <p:nvPr/>
+          </p:nvCxnSpPr>
+          <p:spPr>
+            <a:xfrm flipV="1">
+              <a:off x="5295900" y="2606829"/>
+              <a:ext cx="0" cy="1279386"/>
+            </a:xfrm>
+            <a:prstGeom prst="line">
+              <a:avLst/>
+            </a:prstGeom>
+            <a:ln w="15875">
+              <a:solidFill>
+                <a:schemeClr val="tx1"/>
+              </a:solidFill>
+              <a:prstDash val="dash"/>
+            </a:ln>
+          </p:spPr>
+          <p:style>
+            <a:lnRef idx="1">
+              <a:schemeClr val="accent1"/>
+            </a:lnRef>
+            <a:fillRef idx="0">
+              <a:schemeClr val="accent1"/>
+            </a:fillRef>
+            <a:effectRef idx="0">
+              <a:schemeClr val="accent1"/>
+            </a:effectRef>
+            <a:fontRef idx="minor">
+              <a:schemeClr val="tx1"/>
+            </a:fontRef>
+          </p:style>
+        </p:cxnSp>
+        <p:cxnSp>
+          <p:nvCxnSpPr>
+            <p:cNvPr id="46" name="Straight Connector 45"/>
+            <p:cNvCxnSpPr/>
+            <p:nvPr/>
+          </p:nvCxnSpPr>
+          <p:spPr>
+            <a:xfrm flipV="1">
+              <a:off x="7552560" y="2647790"/>
+              <a:ext cx="0" cy="1279386"/>
+            </a:xfrm>
+            <a:prstGeom prst="line">
+              <a:avLst/>
+            </a:prstGeom>
+            <a:ln w="15875">
+              <a:solidFill>
+                <a:schemeClr val="tx1"/>
+              </a:solidFill>
+              <a:prstDash val="dash"/>
+            </a:ln>
+          </p:spPr>
+          <p:style>
+            <a:lnRef idx="1">
+              <a:schemeClr val="accent1"/>
+            </a:lnRef>
+            <a:fillRef idx="0">
+              <a:schemeClr val="accent1"/>
+            </a:fillRef>
+            <a:effectRef idx="0">
+              <a:schemeClr val="accent1"/>
+            </a:effectRef>
+            <a:fontRef idx="minor">
+              <a:schemeClr val="tx1"/>
+            </a:fontRef>
+          </p:style>
+        </p:cxnSp>
+        <p:cxnSp>
+          <p:nvCxnSpPr>
+            <p:cNvPr id="47" name="Straight Connector 46"/>
+            <p:cNvCxnSpPr/>
+            <p:nvPr/>
+          </p:nvCxnSpPr>
+          <p:spPr>
+            <a:xfrm flipV="1">
+              <a:off x="5788400" y="2922975"/>
+              <a:ext cx="0" cy="1279386"/>
+            </a:xfrm>
+            <a:prstGeom prst="line">
+              <a:avLst/>
+            </a:prstGeom>
+            <a:ln w="15875">
+              <a:solidFill>
+                <a:schemeClr val="tx1"/>
+              </a:solidFill>
+              <a:prstDash val="dash"/>
+            </a:ln>
+          </p:spPr>
+          <p:style>
+            <a:lnRef idx="1">
+              <a:schemeClr val="accent1"/>
+            </a:lnRef>
+            <a:fillRef idx="0">
+              <a:schemeClr val="accent1"/>
+            </a:fillRef>
+            <a:effectRef idx="0">
+              <a:schemeClr val="accent1"/>
+            </a:effectRef>
+            <a:fontRef idx="minor">
+              <a:schemeClr val="tx1"/>
+            </a:fontRef>
+          </p:style>
+        </p:cxnSp>
+        <p:cxnSp>
+          <p:nvCxnSpPr>
+            <p:cNvPr id="48" name="Straight Connector 47"/>
+            <p:cNvCxnSpPr/>
+            <p:nvPr/>
+          </p:nvCxnSpPr>
+          <p:spPr>
+            <a:xfrm flipV="1">
+              <a:off x="6172200" y="2075838"/>
+              <a:ext cx="0" cy="1279386"/>
+            </a:xfrm>
+            <a:prstGeom prst="line">
+              <a:avLst/>
+            </a:prstGeom>
+            <a:ln w="15875">
+              <a:solidFill>
+                <a:schemeClr val="tx1"/>
+              </a:solidFill>
+              <a:prstDash val="dash"/>
+            </a:ln>
+          </p:spPr>
+          <p:style>
+            <a:lnRef idx="1">
+              <a:schemeClr val="accent1"/>
+            </a:lnRef>
+            <a:fillRef idx="0">
+              <a:schemeClr val="accent1"/>
+            </a:fillRef>
+            <a:effectRef idx="0">
+              <a:schemeClr val="accent1"/>
+            </a:effectRef>
+            <a:fontRef idx="minor">
+              <a:schemeClr val="tx1"/>
+            </a:fontRef>
+          </p:style>
+        </p:cxnSp>
+        <p:cxnSp>
+          <p:nvCxnSpPr>
+            <p:cNvPr id="49" name="Straight Connector 48"/>
+            <p:cNvCxnSpPr/>
+            <p:nvPr/>
+          </p:nvCxnSpPr>
+          <p:spPr>
+            <a:xfrm flipV="1">
+              <a:off x="6805800" y="2922975"/>
+              <a:ext cx="0" cy="1279386"/>
+            </a:xfrm>
+            <a:prstGeom prst="line">
+              <a:avLst/>
+            </a:prstGeom>
+            <a:ln w="15875">
+              <a:solidFill>
+                <a:schemeClr val="tx1"/>
+              </a:solidFill>
+              <a:prstDash val="dash"/>
+            </a:ln>
+          </p:spPr>
+          <p:style>
+            <a:lnRef idx="1">
+              <a:schemeClr val="accent1"/>
+            </a:lnRef>
+            <a:fillRef idx="0">
+              <a:schemeClr val="accent1"/>
+            </a:fillRef>
+            <a:effectRef idx="0">
+              <a:schemeClr val="accent1"/>
+            </a:effectRef>
+            <a:fontRef idx="minor">
+              <a:schemeClr val="tx1"/>
+            </a:fontRef>
+          </p:style>
+        </p:cxnSp>
+        <p:cxnSp>
+          <p:nvCxnSpPr>
+            <p:cNvPr id="51" name="Straight Connector 50"/>
+            <p:cNvCxnSpPr/>
+            <p:nvPr/>
+          </p:nvCxnSpPr>
+          <p:spPr>
+            <a:xfrm flipV="1">
+              <a:off x="6980140" y="2097190"/>
+              <a:ext cx="0" cy="1279386"/>
+            </a:xfrm>
+            <a:prstGeom prst="line">
+              <a:avLst/>
+            </a:prstGeom>
+            <a:ln w="15875">
+              <a:solidFill>
+                <a:schemeClr val="tx1"/>
+              </a:solidFill>
+              <a:prstDash val="dash"/>
+            </a:ln>
+          </p:spPr>
+          <p:style>
+            <a:lnRef idx="1">
+              <a:schemeClr val="accent1"/>
+            </a:lnRef>
+            <a:fillRef idx="0">
+              <a:schemeClr val="accent1"/>
+            </a:fillRef>
+            <a:effectRef idx="0">
+              <a:schemeClr val="accent1"/>
+            </a:effectRef>
+            <a:fontRef idx="minor">
+              <a:schemeClr val="tx1"/>
+            </a:fontRef>
+          </p:style>
+        </p:cxnSp>
+        <p:cxnSp>
+          <p:nvCxnSpPr>
+            <p:cNvPr id="52" name="Straight Connector 51"/>
+            <p:cNvCxnSpPr/>
+            <p:nvPr/>
+          </p:nvCxnSpPr>
+          <p:spPr>
+            <a:xfrm flipV="1">
+              <a:off x="5459600" y="2097190"/>
+              <a:ext cx="712600" cy="215444"/>
+            </a:xfrm>
+            <a:prstGeom prst="line">
+              <a:avLst/>
+            </a:prstGeom>
+            <a:ln w="25400">
+              <a:solidFill>
+                <a:schemeClr val="tx1"/>
+              </a:solidFill>
+              <a:prstDash val="solid"/>
+            </a:ln>
+          </p:spPr>
+          <p:style>
+            <a:lnRef idx="1">
+              <a:schemeClr val="accent1"/>
+            </a:lnRef>
+            <a:fillRef idx="0">
+              <a:schemeClr val="accent1"/>
+            </a:fillRef>
+            <a:effectRef idx="0">
+              <a:schemeClr val="accent1"/>
+            </a:effectRef>
+            <a:fontRef idx="minor">
+              <a:schemeClr val="tx1"/>
+            </a:fontRef>
+          </p:style>
+        </p:cxnSp>
+        <p:cxnSp>
+          <p:nvCxnSpPr>
+            <p:cNvPr id="55" name="Straight Connector 54"/>
+            <p:cNvCxnSpPr/>
+            <p:nvPr/>
+          </p:nvCxnSpPr>
+          <p:spPr>
+            <a:xfrm>
+              <a:off x="6159500" y="2104009"/>
+              <a:ext cx="807940" cy="1"/>
+            </a:xfrm>
+            <a:prstGeom prst="line">
+              <a:avLst/>
+            </a:prstGeom>
+            <a:ln w="25400">
+              <a:solidFill>
+                <a:schemeClr val="tx1"/>
+              </a:solidFill>
+              <a:prstDash val="solid"/>
+            </a:ln>
+          </p:spPr>
+          <p:style>
+            <a:lnRef idx="1">
+              <a:schemeClr val="accent1"/>
+            </a:lnRef>
+            <a:fillRef idx="0">
+              <a:schemeClr val="accent1"/>
+            </a:fillRef>
+            <a:effectRef idx="0">
+              <a:schemeClr val="accent1"/>
+            </a:effectRef>
+            <a:fontRef idx="minor">
+              <a:schemeClr val="tx1"/>
+            </a:fontRef>
+          </p:style>
+        </p:cxnSp>
+        <p:cxnSp>
+          <p:nvCxnSpPr>
+            <p:cNvPr id="56" name="Straight Connector 55"/>
+            <p:cNvCxnSpPr/>
+            <p:nvPr/>
+          </p:nvCxnSpPr>
+          <p:spPr>
+            <a:xfrm flipH="1" flipV="1">
+              <a:off x="6967180" y="2113137"/>
+              <a:ext cx="585380" cy="288854"/>
+            </a:xfrm>
+            <a:prstGeom prst="line">
+              <a:avLst/>
+            </a:prstGeom>
+            <a:ln w="25400">
+              <a:solidFill>
+                <a:schemeClr val="tx1"/>
+              </a:solidFill>
+              <a:prstDash val="solid"/>
+            </a:ln>
+          </p:spPr>
+          <p:style>
+            <a:lnRef idx="1">
+              <a:schemeClr val="accent1"/>
+            </a:lnRef>
+            <a:fillRef idx="0">
+              <a:schemeClr val="accent1"/>
+            </a:fillRef>
+            <a:effectRef idx="0">
+              <a:schemeClr val="accent1"/>
+            </a:effectRef>
+            <a:fontRef idx="minor">
+              <a:schemeClr val="tx1"/>
+            </a:fontRef>
+          </p:style>
+        </p:cxnSp>
+        <p:cxnSp>
+          <p:nvCxnSpPr>
+            <p:cNvPr id="57" name="Straight Connector 56"/>
+            <p:cNvCxnSpPr/>
+            <p:nvPr/>
+          </p:nvCxnSpPr>
+          <p:spPr>
+            <a:xfrm>
+              <a:off x="5295900" y="2666342"/>
+              <a:ext cx="492500" cy="304800"/>
+            </a:xfrm>
+            <a:prstGeom prst="line">
+              <a:avLst/>
+            </a:prstGeom>
+            <a:ln w="25400">
+              <a:solidFill>
+                <a:schemeClr val="tx1"/>
+              </a:solidFill>
+              <a:prstDash val="solid"/>
+            </a:ln>
+          </p:spPr>
+          <p:style>
+            <a:lnRef idx="1">
+              <a:schemeClr val="accent1"/>
+            </a:lnRef>
+            <a:fillRef idx="0">
+              <a:schemeClr val="accent1"/>
+            </a:fillRef>
+            <a:effectRef idx="0">
+              <a:schemeClr val="accent1"/>
+            </a:effectRef>
+            <a:fontRef idx="minor">
+              <a:schemeClr val="tx1"/>
+            </a:fontRef>
+          </p:style>
+        </p:cxnSp>
+        <p:cxnSp>
+          <p:nvCxnSpPr>
+            <p:cNvPr id="58" name="Straight Connector 57"/>
+            <p:cNvCxnSpPr/>
+            <p:nvPr/>
+          </p:nvCxnSpPr>
+          <p:spPr>
+            <a:xfrm>
+              <a:off x="5788400" y="2971142"/>
+              <a:ext cx="1017400" cy="0"/>
+            </a:xfrm>
+            <a:prstGeom prst="line">
+              <a:avLst/>
+            </a:prstGeom>
+            <a:ln w="25400">
+              <a:solidFill>
+                <a:schemeClr val="tx1"/>
+              </a:solidFill>
+              <a:prstDash val="solid"/>
+            </a:ln>
+          </p:spPr>
+          <p:style>
+            <a:lnRef idx="1">
+              <a:schemeClr val="accent1"/>
+            </a:lnRef>
+            <a:fillRef idx="0">
+              <a:schemeClr val="accent1"/>
+            </a:fillRef>
+            <a:effectRef idx="0">
+              <a:schemeClr val="accent1"/>
+            </a:effectRef>
+            <a:fontRef idx="minor">
+              <a:schemeClr val="tx1"/>
+            </a:fontRef>
+          </p:style>
+        </p:cxnSp>
+        <p:cxnSp>
+          <p:nvCxnSpPr>
+            <p:cNvPr id="59" name="Straight Connector 58"/>
+            <p:cNvCxnSpPr/>
+            <p:nvPr/>
+          </p:nvCxnSpPr>
+          <p:spPr>
+            <a:xfrm flipV="1">
+              <a:off x="6805800" y="2715531"/>
+              <a:ext cx="746760" cy="255612"/>
+            </a:xfrm>
+            <a:prstGeom prst="line">
+              <a:avLst/>
+            </a:prstGeom>
+            <a:ln w="25400">
+              <a:solidFill>
+                <a:schemeClr val="tx1"/>
+              </a:solidFill>
+              <a:prstDash val="solid"/>
+            </a:ln>
+          </p:spPr>
+          <p:style>
+            <a:lnRef idx="1">
+              <a:schemeClr val="accent1"/>
+            </a:lnRef>
+            <a:fillRef idx="0">
+              <a:schemeClr val="accent1"/>
+            </a:fillRef>
+            <a:effectRef idx="0">
+              <a:schemeClr val="accent1"/>
+            </a:effectRef>
+            <a:fontRef idx="minor">
+              <a:schemeClr val="tx1"/>
+            </a:fontRef>
+          </p:style>
+        </p:cxnSp>
+        <p:cxnSp>
+          <p:nvCxnSpPr>
+            <p:cNvPr id="60" name="Straight Connector 59"/>
+            <p:cNvCxnSpPr/>
+            <p:nvPr/>
+          </p:nvCxnSpPr>
+          <p:spPr>
+            <a:xfrm flipV="1">
+              <a:off x="7552560" y="2401993"/>
+              <a:ext cx="0" cy="334890"/>
+            </a:xfrm>
+            <a:prstGeom prst="line">
+              <a:avLst/>
+            </a:prstGeom>
+            <a:ln w="25400">
+              <a:solidFill>
+                <a:schemeClr val="tx1"/>
+              </a:solidFill>
+              <a:prstDash val="solid"/>
+            </a:ln>
+          </p:spPr>
+          <p:style>
+            <a:lnRef idx="1">
+              <a:schemeClr val="accent1"/>
+            </a:lnRef>
+            <a:fillRef idx="0">
+              <a:schemeClr val="accent1"/>
+            </a:fillRef>
+            <a:effectRef idx="0">
+              <a:schemeClr val="accent1"/>
+            </a:effectRef>
+            <a:fontRef idx="minor">
+              <a:schemeClr val="tx1"/>
+            </a:fontRef>
+          </p:style>
+        </p:cxnSp>
+        <p:cxnSp>
+          <p:nvCxnSpPr>
+            <p:cNvPr id="61" name="Straight Connector 60"/>
+            <p:cNvCxnSpPr/>
+            <p:nvPr/>
+          </p:nvCxnSpPr>
+          <p:spPr>
+            <a:xfrm flipV="1">
+              <a:off x="5295900" y="2312634"/>
+              <a:ext cx="163700" cy="394156"/>
+            </a:xfrm>
+            <a:prstGeom prst="line">
+              <a:avLst/>
+            </a:prstGeom>
+            <a:ln w="25400">
+              <a:solidFill>
+                <a:schemeClr val="tx1"/>
+              </a:solidFill>
+              <a:prstDash val="solid"/>
+            </a:ln>
+          </p:spPr>
+          <p:style>
+            <a:lnRef idx="1">
+              <a:schemeClr val="accent1"/>
+            </a:lnRef>
+            <a:fillRef idx="0">
+              <a:schemeClr val="accent1"/>
+            </a:fillRef>
+            <a:effectRef idx="0">
+              <a:schemeClr val="accent1"/>
+            </a:effectRef>
+            <a:fontRef idx="minor">
+              <a:schemeClr val="tx1"/>
+            </a:fontRef>
+          </p:style>
+        </p:cxnSp>
+        <p:cxnSp>
+          <p:nvCxnSpPr>
+            <p:cNvPr id="80" name="Straight Connector 79"/>
+            <p:cNvCxnSpPr/>
+            <p:nvPr/>
+          </p:nvCxnSpPr>
+          <p:spPr>
+            <a:xfrm flipH="1" flipV="1">
+              <a:off x="5295900" y="2666342"/>
+              <a:ext cx="1143000" cy="1045391"/>
+            </a:xfrm>
+            <a:prstGeom prst="line">
+              <a:avLst/>
+            </a:prstGeom>
+            <a:ln w="25400">
+              <a:solidFill>
+                <a:schemeClr val="tx1"/>
+              </a:solidFill>
+              <a:prstDash val="solid"/>
+            </a:ln>
+          </p:spPr>
+          <p:style>
+            <a:lnRef idx="1">
+              <a:schemeClr val="accent1"/>
+            </a:lnRef>
+            <a:fillRef idx="0">
+              <a:schemeClr val="accent1"/>
+            </a:fillRef>
+            <a:effectRef idx="0">
+              <a:schemeClr val="accent1"/>
+            </a:effectRef>
+            <a:fontRef idx="minor">
+              <a:schemeClr val="tx1"/>
+            </a:fontRef>
+          </p:style>
+        </p:cxnSp>
+        <p:cxnSp>
+          <p:nvCxnSpPr>
+            <p:cNvPr id="83" name="Straight Connector 82"/>
+            <p:cNvCxnSpPr/>
+            <p:nvPr/>
+          </p:nvCxnSpPr>
+          <p:spPr>
+            <a:xfrm flipH="1" flipV="1">
+              <a:off x="5788400" y="2964724"/>
+              <a:ext cx="650500" cy="747009"/>
+            </a:xfrm>
+            <a:prstGeom prst="line">
+              <a:avLst/>
+            </a:prstGeom>
+            <a:ln w="25400">
+              <a:solidFill>
+                <a:schemeClr val="tx1"/>
+              </a:solidFill>
+              <a:prstDash val="solid"/>
+            </a:ln>
+          </p:spPr>
+          <p:style>
+            <a:lnRef idx="1">
+              <a:schemeClr val="accent1"/>
+            </a:lnRef>
+            <a:fillRef idx="0">
+              <a:schemeClr val="accent1"/>
+            </a:fillRef>
+            <a:effectRef idx="0">
+              <a:schemeClr val="accent1"/>
+            </a:effectRef>
+            <a:fontRef idx="minor">
+              <a:schemeClr val="tx1"/>
+            </a:fontRef>
+          </p:style>
+        </p:cxnSp>
+        <p:cxnSp>
+          <p:nvCxnSpPr>
+            <p:cNvPr id="86" name="Straight Connector 85"/>
+            <p:cNvCxnSpPr/>
+            <p:nvPr/>
+          </p:nvCxnSpPr>
+          <p:spPr>
+            <a:xfrm flipV="1">
+              <a:off x="6438900" y="2971144"/>
+              <a:ext cx="366900" cy="734082"/>
+            </a:xfrm>
+            <a:prstGeom prst="line">
+              <a:avLst/>
+            </a:prstGeom>
+            <a:ln w="25400">
+              <a:solidFill>
+                <a:schemeClr val="tx1"/>
+              </a:solidFill>
+              <a:prstDash val="solid"/>
+            </a:ln>
+          </p:spPr>
+          <p:style>
+            <a:lnRef idx="1">
+              <a:schemeClr val="accent1"/>
+            </a:lnRef>
+            <a:fillRef idx="0">
+              <a:schemeClr val="accent1"/>
+            </a:fillRef>
+            <a:effectRef idx="0">
+              <a:schemeClr val="accent1"/>
+            </a:effectRef>
+            <a:fontRef idx="minor">
+              <a:schemeClr val="tx1"/>
+            </a:fontRef>
+          </p:style>
+        </p:cxnSp>
+        <p:cxnSp>
+          <p:nvCxnSpPr>
+            <p:cNvPr id="89" name="Straight Connector 88"/>
+            <p:cNvCxnSpPr/>
+            <p:nvPr/>
+          </p:nvCxnSpPr>
+          <p:spPr>
+            <a:xfrm flipV="1">
+              <a:off x="6438900" y="2706790"/>
+              <a:ext cx="1113660" cy="1045097"/>
+            </a:xfrm>
+            <a:prstGeom prst="line">
+              <a:avLst/>
+            </a:prstGeom>
+            <a:ln w="25400">
+              <a:solidFill>
+                <a:schemeClr val="tx1"/>
+              </a:solidFill>
+              <a:prstDash val="solid"/>
+            </a:ln>
+          </p:spPr>
+          <p:style>
+            <a:lnRef idx="1">
+              <a:schemeClr val="accent1"/>
+            </a:lnRef>
+            <a:fillRef idx="0">
+              <a:schemeClr val="accent1"/>
+            </a:fillRef>
+            <a:effectRef idx="0">
+              <a:schemeClr val="accent1"/>
+            </a:effectRef>
+            <a:fontRef idx="minor">
+              <a:schemeClr val="tx1"/>
+            </a:fontRef>
+          </p:style>
+        </p:cxnSp>
+        <p:cxnSp>
+          <p:nvCxnSpPr>
+            <p:cNvPr id="92" name="Straight Connector 91"/>
+            <p:cNvCxnSpPr/>
+            <p:nvPr/>
+          </p:nvCxnSpPr>
+          <p:spPr>
+            <a:xfrm flipV="1">
+              <a:off x="6659180" y="2116180"/>
+              <a:ext cx="308260" cy="873953"/>
+            </a:xfrm>
+            <a:prstGeom prst="line">
+              <a:avLst/>
+            </a:prstGeom>
+            <a:ln w="25400">
+              <a:solidFill>
+                <a:schemeClr val="tx1"/>
+              </a:solidFill>
+              <a:prstDash val="solid"/>
+            </a:ln>
+          </p:spPr>
+          <p:style>
+            <a:lnRef idx="1">
+              <a:schemeClr val="accent1"/>
+            </a:lnRef>
+            <a:fillRef idx="0">
+              <a:schemeClr val="accent1"/>
+            </a:fillRef>
+            <a:effectRef idx="0">
+              <a:schemeClr val="accent1"/>
+            </a:effectRef>
+            <a:fontRef idx="minor">
+              <a:schemeClr val="tx1"/>
+            </a:fontRef>
+          </p:style>
+        </p:cxnSp>
+        <p:cxnSp>
+          <p:nvCxnSpPr>
+            <p:cNvPr id="95" name="Straight Connector 94"/>
+            <p:cNvCxnSpPr/>
+            <p:nvPr/>
+          </p:nvCxnSpPr>
+          <p:spPr>
+            <a:xfrm flipV="1">
+              <a:off x="7200900" y="2401991"/>
+              <a:ext cx="351660" cy="441346"/>
+            </a:xfrm>
+            <a:prstGeom prst="line">
+              <a:avLst/>
+            </a:prstGeom>
+            <a:ln w="25400">
+              <a:solidFill>
+                <a:schemeClr val="tx1"/>
+              </a:solidFill>
+              <a:prstDash val="solid"/>
+            </a:ln>
+          </p:spPr>
+          <p:style>
+            <a:lnRef idx="1">
+              <a:schemeClr val="accent1"/>
+            </a:lnRef>
+            <a:fillRef idx="0">
+              <a:schemeClr val="accent1"/>
+            </a:fillRef>
+            <a:effectRef idx="0">
+              <a:schemeClr val="accent1"/>
+            </a:effectRef>
+            <a:fontRef idx="minor">
+              <a:schemeClr val="tx1"/>
+            </a:fontRef>
+          </p:style>
+        </p:cxnSp>
+        <p:cxnSp>
+          <p:nvCxnSpPr>
+            <p:cNvPr id="100" name="Straight Connector 99"/>
+            <p:cNvCxnSpPr/>
+            <p:nvPr/>
+          </p:nvCxnSpPr>
+          <p:spPr>
+            <a:xfrm flipH="1" flipV="1">
+              <a:off x="6172200" y="2097191"/>
+              <a:ext cx="147320" cy="859369"/>
+            </a:xfrm>
+            <a:prstGeom prst="line">
+              <a:avLst/>
+            </a:prstGeom>
+            <a:ln w="25400">
+              <a:solidFill>
+                <a:schemeClr val="tx1"/>
+              </a:solidFill>
+              <a:prstDash val="solid"/>
+            </a:ln>
+          </p:spPr>
+          <p:style>
+            <a:lnRef idx="1">
+              <a:schemeClr val="accent1"/>
+            </a:lnRef>
+            <a:fillRef idx="0">
+              <a:schemeClr val="accent1"/>
+            </a:fillRef>
+            <a:effectRef idx="0">
+              <a:schemeClr val="accent1"/>
+            </a:effectRef>
+            <a:fontRef idx="minor">
+              <a:schemeClr val="tx1"/>
+            </a:fontRef>
+          </p:style>
+        </p:cxnSp>
+        <p:cxnSp>
+          <p:nvCxnSpPr>
+            <p:cNvPr id="103" name="Straight Connector 102"/>
+            <p:cNvCxnSpPr/>
+            <p:nvPr/>
+          </p:nvCxnSpPr>
+          <p:spPr>
+            <a:xfrm flipH="1" flipV="1">
+              <a:off x="5459600" y="2312636"/>
+              <a:ext cx="489650" cy="643924"/>
+            </a:xfrm>
+            <a:prstGeom prst="line">
+              <a:avLst/>
+            </a:prstGeom>
+            <a:ln w="25400">
+              <a:solidFill>
+                <a:schemeClr val="tx1"/>
+              </a:solidFill>
+              <a:prstDash val="solid"/>
+            </a:ln>
+          </p:spPr>
+          <p:style>
+            <a:lnRef idx="1">
+              <a:schemeClr val="accent1"/>
+            </a:lnRef>
+            <a:fillRef idx="0">
+              <a:schemeClr val="accent1"/>
+            </a:fillRef>
+            <a:effectRef idx="0">
+              <a:schemeClr val="accent1"/>
+            </a:effectRef>
+            <a:fontRef idx="minor">
+              <a:schemeClr val="tx1"/>
+            </a:fontRef>
+          </p:style>
+        </p:cxnSp>
       </p:grpSp>
     </p:spTree>
     <p:extLst>
